--- a/project DEMO.pptx
+++ b/project DEMO.pptx
@@ -120,7 +120,7 @@
   </p:defaultTextStyle>
   <p:extLst>
     <p:ext uri="{EFAFB233-063F-42B5-8137-9DF3F51BA10A}">
-      <p15:sldGuideLst xmlns:p15="http://schemas.microsoft.com/office/powerpoint/2012/main"/>
+      <p15:sldGuideLst xmlns:p15="http://schemas.microsoft.com/office/powerpoint/2012/main" xmlns=""/>
     </p:ext>
   </p:extLst>
 </p:presentation>
@@ -345,7 +345,8 @@
           <a:p>
             <a:fld id="{5E9AD246-FD11-C248-B5C3-BAAA995D0C8D}" type="datetimeFigureOut">
               <a:rPr lang="en-US" smtClean="0"/>
-              <a:t>4/20/20</a:t>
+              <a:pPr/>
+              <a:t>5/1/2020</a:t>
             </a:fld>
             <a:endParaRPr lang="en-US"/>
           </a:p>
@@ -387,6 +388,7 @@
           <a:p>
             <a:fld id="{ED3F8B32-C5BF-B04D-B0A6-76EAD0C367FC}" type="slidenum">
               <a:rPr lang="en-US" smtClean="0"/>
+              <a:pPr/>
               <a:t>‹#›</a:t>
             </a:fld>
             <a:endParaRPr lang="en-US"/>
@@ -396,20 +398,20 @@
     </p:spTree>
     <p:extLst>
       <p:ext uri="{BB962C8B-B14F-4D97-AF65-F5344CB8AC3E}">
-        <p14:creationId xmlns:p14="http://schemas.microsoft.com/office/powerpoint/2010/main" val="2065448814"/>
+        <p14:creationId xmlns:p14="http://schemas.microsoft.com/office/powerpoint/2010/main" xmlns="" val="2065448814"/>
       </p:ext>
     </p:extLst>
   </p:cSld>
   <p:clrMapOvr>
     <a:masterClrMapping/>
   </p:clrMapOvr>
-  <mc:AlternateContent xmlns:mc="http://schemas.openxmlformats.org/markup-compatibility/2006" xmlns:p14="http://schemas.microsoft.com/office/powerpoint/2010/main">
-    <mc:Choice Requires="p14">
+  <mc:AlternateContent xmlns:mc="http://schemas.openxmlformats.org/markup-compatibility/2006">
+    <mc:Choice xmlns:p14="http://schemas.microsoft.com/office/powerpoint/2010/main" xmlns="" Requires="p14">
       <p:transition spd="slow" p14:dur="3400">
         <p14:reveal/>
       </p:transition>
     </mc:Choice>
-    <mc:Fallback xmlns="">
+    <mc:Fallback>
       <p:transition spd="slow">
         <p:fade/>
       </p:transition>
@@ -614,7 +616,8 @@
           <a:p>
             <a:fld id="{5E9AD246-FD11-C248-B5C3-BAAA995D0C8D}" type="datetimeFigureOut">
               <a:rPr lang="en-US" smtClean="0"/>
-              <a:t>4/20/20</a:t>
+              <a:pPr/>
+              <a:t>5/1/2020</a:t>
             </a:fld>
             <a:endParaRPr lang="en-US"/>
           </a:p>
@@ -656,6 +659,7 @@
           <a:p>
             <a:fld id="{ED3F8B32-C5BF-B04D-B0A6-76EAD0C367FC}" type="slidenum">
               <a:rPr lang="en-US" smtClean="0"/>
+              <a:pPr/>
               <a:t>‹#›</a:t>
             </a:fld>
             <a:endParaRPr lang="en-US"/>
@@ -665,20 +669,20 @@
     </p:spTree>
     <p:extLst>
       <p:ext uri="{BB962C8B-B14F-4D97-AF65-F5344CB8AC3E}">
-        <p14:creationId xmlns:p14="http://schemas.microsoft.com/office/powerpoint/2010/main" val="3058950252"/>
+        <p14:creationId xmlns:p14="http://schemas.microsoft.com/office/powerpoint/2010/main" xmlns="" val="3058950252"/>
       </p:ext>
     </p:extLst>
   </p:cSld>
   <p:clrMapOvr>
     <a:masterClrMapping/>
   </p:clrMapOvr>
-  <mc:AlternateContent xmlns:mc="http://schemas.openxmlformats.org/markup-compatibility/2006" xmlns:p14="http://schemas.microsoft.com/office/powerpoint/2010/main">
-    <mc:Choice Requires="p14">
+  <mc:AlternateContent xmlns:mc="http://schemas.openxmlformats.org/markup-compatibility/2006">
+    <mc:Choice xmlns:p14="http://schemas.microsoft.com/office/powerpoint/2010/main" xmlns="" Requires="p14">
       <p:transition spd="slow" p14:dur="3400">
         <p14:reveal/>
       </p:transition>
     </mc:Choice>
-    <mc:Fallback xmlns="">
+    <mc:Fallback>
       <p:transition spd="slow">
         <p:fade/>
       </p:transition>
@@ -796,7 +800,8 @@
           <a:p>
             <a:fld id="{5E9AD246-FD11-C248-B5C3-BAAA995D0C8D}" type="datetimeFigureOut">
               <a:rPr lang="en-US" smtClean="0"/>
-              <a:t>4/20/20</a:t>
+              <a:pPr/>
+              <a:t>5/1/2020</a:t>
             </a:fld>
             <a:endParaRPr lang="en-US"/>
           </a:p>
@@ -838,6 +843,7 @@
           <a:p>
             <a:fld id="{ED3F8B32-C5BF-B04D-B0A6-76EAD0C367FC}" type="slidenum">
               <a:rPr lang="en-US" smtClean="0"/>
+              <a:pPr/>
               <a:t>‹#›</a:t>
             </a:fld>
             <a:endParaRPr lang="en-US"/>
@@ -847,20 +853,20 @@
     </p:spTree>
     <p:extLst>
       <p:ext uri="{BB962C8B-B14F-4D97-AF65-F5344CB8AC3E}">
-        <p14:creationId xmlns:p14="http://schemas.microsoft.com/office/powerpoint/2010/main" val="313713603"/>
+        <p14:creationId xmlns:p14="http://schemas.microsoft.com/office/powerpoint/2010/main" xmlns="" val="313713603"/>
       </p:ext>
     </p:extLst>
   </p:cSld>
   <p:clrMapOvr>
     <a:masterClrMapping/>
   </p:clrMapOvr>
-  <mc:AlternateContent xmlns:mc="http://schemas.openxmlformats.org/markup-compatibility/2006" xmlns:p14="http://schemas.microsoft.com/office/powerpoint/2010/main">
-    <mc:Choice Requires="p14">
+  <mc:AlternateContent xmlns:mc="http://schemas.openxmlformats.org/markup-compatibility/2006">
+    <mc:Choice xmlns:p14="http://schemas.microsoft.com/office/powerpoint/2010/main" xmlns="" Requires="p14">
       <p:transition spd="slow" p14:dur="3400">
         <p14:reveal/>
       </p:transition>
     </mc:Choice>
-    <mc:Fallback xmlns="">
+    <mc:Fallback>
       <p:transition spd="slow">
         <p:fade/>
       </p:transition>
@@ -988,7 +994,8 @@
           <a:p>
             <a:fld id="{5E9AD246-FD11-C248-B5C3-BAAA995D0C8D}" type="datetimeFigureOut">
               <a:rPr lang="en-US" smtClean="0"/>
-              <a:t>4/20/20</a:t>
+              <a:pPr/>
+              <a:t>5/1/2020</a:t>
             </a:fld>
             <a:endParaRPr lang="en-US"/>
           </a:p>
@@ -1030,6 +1037,7 @@
           <a:p>
             <a:fld id="{ED3F8B32-C5BF-B04D-B0A6-76EAD0C367FC}" type="slidenum">
               <a:rPr lang="en-US" smtClean="0"/>
+              <a:pPr/>
               <a:t>‹#›</a:t>
             </a:fld>
             <a:endParaRPr lang="en-US"/>
@@ -1041,7 +1049,7 @@
           <p:cNvPr id="9" name="Picture 8" descr="E:\websites\free-power-point-templates\2012\logos.png">
             <a:extLst>
               <a:ext uri="{FF2B5EF4-FFF2-40B4-BE49-F238E27FC236}">
-                <a16:creationId xmlns:a16="http://schemas.microsoft.com/office/drawing/2014/main" id="{EE2D60B5-43F0-4B98-9695-396C99118F46}"/>
+                <a16:creationId xmlns:a16="http://schemas.microsoft.com/office/drawing/2014/main" xmlns="" id="{EE2D60B5-43F0-4B98-9695-396C99118F46}"/>
               </a:ext>
             </a:extLst>
           </p:cNvPr>
@@ -1054,7 +1062,7 @@
           <a:blip r:embed="rId2" cstate="print">
             <a:extLst>
               <a:ext uri="{28A0092B-C50C-407E-A947-70E740481C1C}">
-                <a14:useLocalDpi xmlns:a14="http://schemas.microsoft.com/office/drawing/2010/main" val="0"/>
+                <a14:useLocalDpi xmlns:a14="http://schemas.microsoft.com/office/drawing/2010/main" xmlns="" val="0"/>
               </a:ext>
             </a:extLst>
           </a:blip>
@@ -1076,7 +1084,7 @@
           </a:ln>
           <a:extLst>
             <a:ext uri="{909E8E84-426E-40DD-AFC4-6F175D3DCCD1}">
-              <a14:hiddenFill xmlns:a14="http://schemas.microsoft.com/office/drawing/2010/main">
+              <a14:hiddenFill xmlns:a14="http://schemas.microsoft.com/office/drawing/2010/main" xmlns="">
                 <a:solidFill>
                   <a:srgbClr val="FFFFFF"/>
                 </a:solidFill>
@@ -1088,20 +1096,20 @@
     </p:spTree>
     <p:extLst>
       <p:ext uri="{BB962C8B-B14F-4D97-AF65-F5344CB8AC3E}">
-        <p14:creationId xmlns:p14="http://schemas.microsoft.com/office/powerpoint/2010/main" val="4124329304"/>
+        <p14:creationId xmlns:p14="http://schemas.microsoft.com/office/powerpoint/2010/main" xmlns="" val="4124329304"/>
       </p:ext>
     </p:extLst>
   </p:cSld>
   <p:clrMapOvr>
     <a:masterClrMapping/>
   </p:clrMapOvr>
-  <mc:AlternateContent xmlns:mc="http://schemas.openxmlformats.org/markup-compatibility/2006" xmlns:p14="http://schemas.microsoft.com/office/powerpoint/2010/main">
-    <mc:Choice Requires="p14">
+  <mc:AlternateContent xmlns:mc="http://schemas.openxmlformats.org/markup-compatibility/2006">
+    <mc:Choice xmlns:p14="http://schemas.microsoft.com/office/powerpoint/2010/main" xmlns="" Requires="p14">
       <p:transition spd="slow" p14:dur="3400">
         <p14:reveal/>
       </p:transition>
     </mc:Choice>
-    <mc:Fallback xmlns="">
+    <mc:Fallback>
       <p:transition spd="slow">
         <p:fade/>
       </p:transition>
@@ -1282,7 +1290,8 @@
           <a:p>
             <a:fld id="{5E9AD246-FD11-C248-B5C3-BAAA995D0C8D}" type="datetimeFigureOut">
               <a:rPr lang="en-US" smtClean="0"/>
-              <a:t>4/20/20</a:t>
+              <a:pPr/>
+              <a:t>5/1/2020</a:t>
             </a:fld>
             <a:endParaRPr lang="en-US"/>
           </a:p>
@@ -1324,6 +1333,7 @@
           <a:p>
             <a:fld id="{ED3F8B32-C5BF-B04D-B0A6-76EAD0C367FC}" type="slidenum">
               <a:rPr lang="en-US" smtClean="0"/>
+              <a:pPr/>
               <a:t>‹#›</a:t>
             </a:fld>
             <a:endParaRPr lang="en-US"/>
@@ -1333,20 +1343,20 @@
     </p:spTree>
     <p:extLst>
       <p:ext uri="{BB962C8B-B14F-4D97-AF65-F5344CB8AC3E}">
-        <p14:creationId xmlns:p14="http://schemas.microsoft.com/office/powerpoint/2010/main" val="1529342800"/>
+        <p14:creationId xmlns:p14="http://schemas.microsoft.com/office/powerpoint/2010/main" xmlns="" val="1529342800"/>
       </p:ext>
     </p:extLst>
   </p:cSld>
   <p:clrMapOvr>
     <a:masterClrMapping/>
   </p:clrMapOvr>
-  <mc:AlternateContent xmlns:mc="http://schemas.openxmlformats.org/markup-compatibility/2006" xmlns:p14="http://schemas.microsoft.com/office/powerpoint/2010/main">
-    <mc:Choice Requires="p14">
+  <mc:AlternateContent xmlns:mc="http://schemas.openxmlformats.org/markup-compatibility/2006">
+    <mc:Choice xmlns:p14="http://schemas.microsoft.com/office/powerpoint/2010/main" xmlns="" Requires="p14">
       <p:transition spd="slow" p14:dur="3400">
         <p14:reveal/>
       </p:transition>
     </mc:Choice>
-    <mc:Fallback xmlns="">
+    <mc:Fallback>
       <p:transition spd="slow">
         <p:fade/>
       </p:transition>
@@ -1541,7 +1551,8 @@
           <a:p>
             <a:fld id="{5E9AD246-FD11-C248-B5C3-BAAA995D0C8D}" type="datetimeFigureOut">
               <a:rPr lang="en-US" smtClean="0"/>
-              <a:t>4/20/20</a:t>
+              <a:pPr/>
+              <a:t>5/1/2020</a:t>
             </a:fld>
             <a:endParaRPr lang="en-US"/>
           </a:p>
@@ -1583,6 +1594,7 @@
           <a:p>
             <a:fld id="{ED3F8B32-C5BF-B04D-B0A6-76EAD0C367FC}" type="slidenum">
               <a:rPr lang="en-US" smtClean="0"/>
+              <a:pPr/>
               <a:t>‹#›</a:t>
             </a:fld>
             <a:endParaRPr lang="en-US"/>
@@ -1592,20 +1604,20 @@
     </p:spTree>
     <p:extLst>
       <p:ext uri="{BB962C8B-B14F-4D97-AF65-F5344CB8AC3E}">
-        <p14:creationId xmlns:p14="http://schemas.microsoft.com/office/powerpoint/2010/main" val="291067690"/>
+        <p14:creationId xmlns:p14="http://schemas.microsoft.com/office/powerpoint/2010/main" xmlns="" val="291067690"/>
       </p:ext>
     </p:extLst>
   </p:cSld>
   <p:clrMapOvr>
     <a:masterClrMapping/>
   </p:clrMapOvr>
-  <mc:AlternateContent xmlns:mc="http://schemas.openxmlformats.org/markup-compatibility/2006" xmlns:p14="http://schemas.microsoft.com/office/powerpoint/2010/main">
-    <mc:Choice Requires="p14">
+  <mc:AlternateContent xmlns:mc="http://schemas.openxmlformats.org/markup-compatibility/2006">
+    <mc:Choice xmlns:p14="http://schemas.microsoft.com/office/powerpoint/2010/main" xmlns="" Requires="p14">
       <p:transition spd="slow" p14:dur="3400">
         <p14:reveal/>
       </p:transition>
     </mc:Choice>
-    <mc:Fallback xmlns="">
+    <mc:Fallback>
       <p:transition spd="slow">
         <p:fade/>
       </p:transition>
@@ -1799,7 +1811,8 @@
           <a:p>
             <a:fld id="{5E9AD246-FD11-C248-B5C3-BAAA995D0C8D}" type="datetimeFigureOut">
               <a:rPr lang="en-US" smtClean="0"/>
-              <a:t>4/20/20</a:t>
+              <a:pPr/>
+              <a:t>5/1/2020</a:t>
             </a:fld>
             <a:endParaRPr lang="en-US"/>
           </a:p>
@@ -1841,6 +1854,7 @@
           <a:p>
             <a:fld id="{ED3F8B32-C5BF-B04D-B0A6-76EAD0C367FC}" type="slidenum">
               <a:rPr lang="en-US" smtClean="0"/>
+              <a:pPr/>
               <a:t>‹#›</a:t>
             </a:fld>
             <a:endParaRPr lang="en-US"/>
@@ -1850,20 +1864,20 @@
     </p:spTree>
     <p:extLst>
       <p:ext uri="{BB962C8B-B14F-4D97-AF65-F5344CB8AC3E}">
-        <p14:creationId xmlns:p14="http://schemas.microsoft.com/office/powerpoint/2010/main" val="4274111950"/>
+        <p14:creationId xmlns:p14="http://schemas.microsoft.com/office/powerpoint/2010/main" xmlns="" val="4274111950"/>
       </p:ext>
     </p:extLst>
   </p:cSld>
   <p:clrMapOvr>
     <a:masterClrMapping/>
   </p:clrMapOvr>
-  <mc:AlternateContent xmlns:mc="http://schemas.openxmlformats.org/markup-compatibility/2006" xmlns:p14="http://schemas.microsoft.com/office/powerpoint/2010/main">
-    <mc:Choice Requires="p14">
+  <mc:AlternateContent xmlns:mc="http://schemas.openxmlformats.org/markup-compatibility/2006">
+    <mc:Choice xmlns:p14="http://schemas.microsoft.com/office/powerpoint/2010/main" xmlns="" Requires="p14">
       <p:transition spd="slow" p14:dur="3400">
         <p14:reveal/>
       </p:transition>
     </mc:Choice>
-    <mc:Fallback xmlns="">
+    <mc:Fallback>
       <p:transition spd="slow">
         <p:fade/>
       </p:transition>
@@ -2099,7 +2113,8 @@
           <a:p>
             <a:fld id="{5E9AD246-FD11-C248-B5C3-BAAA995D0C8D}" type="datetimeFigureOut">
               <a:rPr lang="en-US" smtClean="0"/>
-              <a:t>4/20/20</a:t>
+              <a:pPr/>
+              <a:t>5/1/2020</a:t>
             </a:fld>
             <a:endParaRPr lang="en-US"/>
           </a:p>
@@ -2141,6 +2156,7 @@
           <a:p>
             <a:fld id="{ED3F8B32-C5BF-B04D-B0A6-76EAD0C367FC}" type="slidenum">
               <a:rPr lang="en-US" smtClean="0"/>
+              <a:pPr/>
               <a:t>‹#›</a:t>
             </a:fld>
             <a:endParaRPr lang="en-US"/>
@@ -2150,20 +2166,20 @@
     </p:spTree>
     <p:extLst>
       <p:ext uri="{BB962C8B-B14F-4D97-AF65-F5344CB8AC3E}">
-        <p14:creationId xmlns:p14="http://schemas.microsoft.com/office/powerpoint/2010/main" val="1992431991"/>
+        <p14:creationId xmlns:p14="http://schemas.microsoft.com/office/powerpoint/2010/main" xmlns="" val="1992431991"/>
       </p:ext>
     </p:extLst>
   </p:cSld>
   <p:clrMapOvr>
     <a:masterClrMapping/>
   </p:clrMapOvr>
-  <mc:AlternateContent xmlns:mc="http://schemas.openxmlformats.org/markup-compatibility/2006" xmlns:p14="http://schemas.microsoft.com/office/powerpoint/2010/main">
-    <mc:Choice Requires="p14">
+  <mc:AlternateContent xmlns:mc="http://schemas.openxmlformats.org/markup-compatibility/2006">
+    <mc:Choice xmlns:p14="http://schemas.microsoft.com/office/powerpoint/2010/main" xmlns="" Requires="p14">
       <p:transition spd="slow" p14:dur="3400">
         <p14:reveal/>
       </p:transition>
     </mc:Choice>
-    <mc:Fallback xmlns="">
+    <mc:Fallback>
       <p:transition spd="slow">
         <p:fade/>
       </p:transition>
@@ -2599,7 +2615,8 @@
           <a:p>
             <a:fld id="{5E9AD246-FD11-C248-B5C3-BAAA995D0C8D}" type="datetimeFigureOut">
               <a:rPr lang="en-US" smtClean="0"/>
-              <a:t>4/20/20</a:t>
+              <a:pPr/>
+              <a:t>5/1/2020</a:t>
             </a:fld>
             <a:endParaRPr lang="en-US"/>
           </a:p>
@@ -2641,6 +2658,7 @@
           <a:p>
             <a:fld id="{ED3F8B32-C5BF-B04D-B0A6-76EAD0C367FC}" type="slidenum">
               <a:rPr lang="en-US" smtClean="0"/>
+              <a:pPr/>
               <a:t>‹#›</a:t>
             </a:fld>
             <a:endParaRPr lang="en-US"/>
@@ -2650,20 +2668,20 @@
     </p:spTree>
     <p:extLst>
       <p:ext uri="{BB962C8B-B14F-4D97-AF65-F5344CB8AC3E}">
-        <p14:creationId xmlns:p14="http://schemas.microsoft.com/office/powerpoint/2010/main" val="552174391"/>
+        <p14:creationId xmlns:p14="http://schemas.microsoft.com/office/powerpoint/2010/main" xmlns="" val="552174391"/>
       </p:ext>
     </p:extLst>
   </p:cSld>
   <p:clrMapOvr>
     <a:masterClrMapping/>
   </p:clrMapOvr>
-  <mc:AlternateContent xmlns:mc="http://schemas.openxmlformats.org/markup-compatibility/2006" xmlns:p14="http://schemas.microsoft.com/office/powerpoint/2010/main">
-    <mc:Choice Requires="p14">
+  <mc:AlternateContent xmlns:mc="http://schemas.openxmlformats.org/markup-compatibility/2006">
+    <mc:Choice xmlns:p14="http://schemas.microsoft.com/office/powerpoint/2010/main" xmlns="" Requires="p14">
       <p:transition spd="slow" p14:dur="3400">
         <p14:reveal/>
       </p:transition>
     </mc:Choice>
-    <mc:Fallback xmlns="">
+    <mc:Fallback>
       <p:transition spd="slow">
         <p:fade/>
       </p:transition>
@@ -2729,7 +2747,8 @@
           <a:p>
             <a:fld id="{5E9AD246-FD11-C248-B5C3-BAAA995D0C8D}" type="datetimeFigureOut">
               <a:rPr lang="en-US" smtClean="0"/>
-              <a:t>4/20/20</a:t>
+              <a:pPr/>
+              <a:t>5/1/2020</a:t>
             </a:fld>
             <a:endParaRPr lang="en-US"/>
           </a:p>
@@ -2771,6 +2790,7 @@
           <a:p>
             <a:fld id="{ED3F8B32-C5BF-B04D-B0A6-76EAD0C367FC}" type="slidenum">
               <a:rPr lang="en-US" smtClean="0"/>
+              <a:pPr/>
               <a:t>‹#›</a:t>
             </a:fld>
             <a:endParaRPr lang="en-US"/>
@@ -2780,20 +2800,20 @@
     </p:spTree>
     <p:extLst>
       <p:ext uri="{BB962C8B-B14F-4D97-AF65-F5344CB8AC3E}">
-        <p14:creationId xmlns:p14="http://schemas.microsoft.com/office/powerpoint/2010/main" val="2225073140"/>
+        <p14:creationId xmlns:p14="http://schemas.microsoft.com/office/powerpoint/2010/main" xmlns="" val="2225073140"/>
       </p:ext>
     </p:extLst>
   </p:cSld>
   <p:clrMapOvr>
     <a:masterClrMapping/>
   </p:clrMapOvr>
-  <mc:AlternateContent xmlns:mc="http://schemas.openxmlformats.org/markup-compatibility/2006" xmlns:p14="http://schemas.microsoft.com/office/powerpoint/2010/main">
-    <mc:Choice Requires="p14">
+  <mc:AlternateContent xmlns:mc="http://schemas.openxmlformats.org/markup-compatibility/2006">
+    <mc:Choice xmlns:p14="http://schemas.microsoft.com/office/powerpoint/2010/main" xmlns="" Requires="p14">
       <p:transition spd="slow" p14:dur="3400">
         <p14:reveal/>
       </p:transition>
     </mc:Choice>
-    <mc:Fallback xmlns="">
+    <mc:Fallback>
       <p:transition spd="slow">
         <p:fade/>
       </p:transition>
@@ -2836,7 +2856,8 @@
           <a:p>
             <a:fld id="{5E9AD246-FD11-C248-B5C3-BAAA995D0C8D}" type="datetimeFigureOut">
               <a:rPr lang="en-US" smtClean="0"/>
-              <a:t>4/20/20</a:t>
+              <a:pPr/>
+              <a:t>5/1/2020</a:t>
             </a:fld>
             <a:endParaRPr lang="en-US"/>
           </a:p>
@@ -2878,6 +2899,7 @@
           <a:p>
             <a:fld id="{ED3F8B32-C5BF-B04D-B0A6-76EAD0C367FC}" type="slidenum">
               <a:rPr lang="en-US" smtClean="0"/>
+              <a:pPr/>
               <a:t>‹#›</a:t>
             </a:fld>
             <a:endParaRPr lang="en-US"/>
@@ -2887,20 +2909,20 @@
     </p:spTree>
     <p:extLst>
       <p:ext uri="{BB962C8B-B14F-4D97-AF65-F5344CB8AC3E}">
-        <p14:creationId xmlns:p14="http://schemas.microsoft.com/office/powerpoint/2010/main" val="4185938046"/>
+        <p14:creationId xmlns:p14="http://schemas.microsoft.com/office/powerpoint/2010/main" xmlns="" val="4185938046"/>
       </p:ext>
     </p:extLst>
   </p:cSld>
   <p:clrMapOvr>
     <a:masterClrMapping/>
   </p:clrMapOvr>
-  <mc:AlternateContent xmlns:mc="http://schemas.openxmlformats.org/markup-compatibility/2006" xmlns:p14="http://schemas.microsoft.com/office/powerpoint/2010/main">
-    <mc:Choice Requires="p14">
+  <mc:AlternateContent xmlns:mc="http://schemas.openxmlformats.org/markup-compatibility/2006">
+    <mc:Choice xmlns:p14="http://schemas.microsoft.com/office/powerpoint/2010/main" xmlns="" Requires="p14">
       <p:transition spd="slow" p14:dur="3400">
         <p14:reveal/>
       </p:transition>
     </mc:Choice>
-    <mc:Fallback xmlns="">
+    <mc:Fallback>
       <p:transition spd="slow">
         <p:fade/>
       </p:transition>
@@ -3125,7 +3147,8 @@
           <a:p>
             <a:fld id="{5E9AD246-FD11-C248-B5C3-BAAA995D0C8D}" type="datetimeFigureOut">
               <a:rPr lang="en-US" smtClean="0"/>
-              <a:t>4/20/20</a:t>
+              <a:pPr/>
+              <a:t>5/1/2020</a:t>
             </a:fld>
             <a:endParaRPr lang="en-US"/>
           </a:p>
@@ -3167,6 +3190,7 @@
           <a:p>
             <a:fld id="{ED3F8B32-C5BF-B04D-B0A6-76EAD0C367FC}" type="slidenum">
               <a:rPr lang="en-US" smtClean="0"/>
+              <a:pPr/>
               <a:t>‹#›</a:t>
             </a:fld>
             <a:endParaRPr lang="en-US"/>
@@ -3176,20 +3200,20 @@
     </p:spTree>
     <p:extLst>
       <p:ext uri="{BB962C8B-B14F-4D97-AF65-F5344CB8AC3E}">
-        <p14:creationId xmlns:p14="http://schemas.microsoft.com/office/powerpoint/2010/main" val="3635560849"/>
+        <p14:creationId xmlns:p14="http://schemas.microsoft.com/office/powerpoint/2010/main" xmlns="" val="3635560849"/>
       </p:ext>
     </p:extLst>
   </p:cSld>
   <p:clrMapOvr>
     <a:masterClrMapping/>
   </p:clrMapOvr>
-  <mc:AlternateContent xmlns:mc="http://schemas.openxmlformats.org/markup-compatibility/2006" xmlns:p14="http://schemas.microsoft.com/office/powerpoint/2010/main">
-    <mc:Choice Requires="p14">
+  <mc:AlternateContent xmlns:mc="http://schemas.openxmlformats.org/markup-compatibility/2006">
+    <mc:Choice xmlns:p14="http://schemas.microsoft.com/office/powerpoint/2010/main" xmlns="" Requires="p14">
       <p:transition spd="slow" p14:dur="3400">
         <p14:reveal/>
       </p:transition>
     </mc:Choice>
-    <mc:Fallback xmlns="">
+    <mc:Fallback>
       <p:transition spd="slow">
         <p:fade/>
       </p:transition>
@@ -3359,7 +3383,8 @@
           <a:p>
             <a:fld id="{5E9AD246-FD11-C248-B5C3-BAAA995D0C8D}" type="datetimeFigureOut">
               <a:rPr lang="en-US" smtClean="0"/>
-              <a:t>4/20/20</a:t>
+              <a:pPr/>
+              <a:t>5/1/2020</a:t>
             </a:fld>
             <a:endParaRPr lang="en-US"/>
           </a:p>
@@ -3437,6 +3462,7 @@
           <a:p>
             <a:fld id="{ED3F8B32-C5BF-B04D-B0A6-76EAD0C367FC}" type="slidenum">
               <a:rPr lang="en-US" smtClean="0"/>
+              <a:pPr/>
               <a:t>‹#›</a:t>
             </a:fld>
             <a:endParaRPr lang="en-US"/>
@@ -3448,7 +3474,7 @@
           <p:cNvPr id="7" name="TextBox 6">
             <a:extLst>
               <a:ext uri="{FF2B5EF4-FFF2-40B4-BE49-F238E27FC236}">
-                <a16:creationId xmlns:a16="http://schemas.microsoft.com/office/drawing/2014/main" id="{E8543D44-A5E8-4398-8707-A635A9ADAC0E}"/>
+                <a16:creationId xmlns:a16="http://schemas.microsoft.com/office/drawing/2014/main" xmlns="" id="{E8543D44-A5E8-4398-8707-A635A9ADAC0E}"/>
               </a:ext>
             </a:extLst>
           </p:cNvPr>
@@ -3499,7 +3525,7 @@
     </p:spTree>
     <p:extLst>
       <p:ext uri="{BB962C8B-B14F-4D97-AF65-F5344CB8AC3E}">
-        <p14:creationId xmlns:p14="http://schemas.microsoft.com/office/powerpoint/2010/main" val="3576268798"/>
+        <p14:creationId xmlns:p14="http://schemas.microsoft.com/office/powerpoint/2010/main" xmlns="" val="3576268798"/>
       </p:ext>
     </p:extLst>
   </p:cSld>
@@ -3518,13 +3544,13 @@
     <p:sldLayoutId id="2147483827" r:id="rId11"/>
     <p:sldLayoutId id="2147483828" r:id="rId12"/>
   </p:sldLayoutIdLst>
-  <mc:AlternateContent xmlns:mc="http://schemas.openxmlformats.org/markup-compatibility/2006" xmlns:p14="http://schemas.microsoft.com/office/powerpoint/2010/main">
-    <mc:Choice Requires="p14">
+  <mc:AlternateContent xmlns:mc="http://schemas.openxmlformats.org/markup-compatibility/2006">
+    <mc:Choice xmlns:p14="http://schemas.microsoft.com/office/powerpoint/2010/main" xmlns="" Requires="p14">
       <p:transition spd="slow" p14:dur="3400">
         <p14:reveal/>
       </p:transition>
     </mc:Choice>
-    <mc:Fallback xmlns="">
+    <mc:Fallback>
       <p:transition spd="slow">
         <p:fade/>
       </p:transition>
@@ -3805,7 +3831,7 @@
           <p:cNvPr id="2" name="Title 1">
             <a:extLst>
               <a:ext uri="{FF2B5EF4-FFF2-40B4-BE49-F238E27FC236}">
-                <a16:creationId xmlns:a16="http://schemas.microsoft.com/office/drawing/2014/main" id="{E9F28C93-EB0D-5142-8CC3-1A208FC05D35}"/>
+                <a16:creationId xmlns:a16="http://schemas.microsoft.com/office/drawing/2014/main" xmlns="" id="{E9F28C93-EB0D-5142-8CC3-1A208FC05D35}"/>
               </a:ext>
             </a:extLst>
           </p:cNvPr>
@@ -3845,7 +3871,7 @@
           <p:cNvPr id="3" name="Subtitle 2">
             <a:extLst>
               <a:ext uri="{FF2B5EF4-FFF2-40B4-BE49-F238E27FC236}">
-                <a16:creationId xmlns:a16="http://schemas.microsoft.com/office/drawing/2014/main" id="{AC56CBE7-2534-D247-ADBB-0B8BA0AB984E}"/>
+                <a16:creationId xmlns:a16="http://schemas.microsoft.com/office/drawing/2014/main" xmlns="" id="{AC56CBE7-2534-D247-ADBB-0B8BA0AB984E}"/>
               </a:ext>
             </a:extLst>
           </p:cNvPr>
@@ -3896,11 +3922,12 @@
             <a:pPr algn="ctr"/>
             <a:r>
               <a:rPr lang="en-US" sz="3600" i="1" dirty="0"/>
-              <a:t>Krishna Chaitanya Kandamuri</a:t>
-            </a:r>
-          </a:p>
-          <a:p>
-            <a:pPr algn="r"/>
+              <a:t>Krishna Chaitanya </a:t>
+            </a:r>
+            <a:r>
+              <a:rPr lang="en-US" sz="3600" i="1" smtClean="0"/>
+              <a:t>Kandimalla</a:t>
+            </a:r>
             <a:endParaRPr lang="en-US" dirty="0"/>
           </a:p>
           <a:p>
@@ -3914,7 +3941,7 @@
           <p:cNvPr id="5" name="Picture 4" descr="A picture containing yellow, light&#10;&#10;Description automatically generated">
             <a:extLst>
               <a:ext uri="{FF2B5EF4-FFF2-40B4-BE49-F238E27FC236}">
-                <a16:creationId xmlns:a16="http://schemas.microsoft.com/office/drawing/2014/main" id="{67DF7C68-BE41-714F-AE4D-17EB0823E5AD}"/>
+                <a16:creationId xmlns:a16="http://schemas.microsoft.com/office/drawing/2014/main" xmlns="" id="{67DF7C68-BE41-714F-AE4D-17EB0823E5AD}"/>
               </a:ext>
             </a:extLst>
           </p:cNvPr>
@@ -3942,20 +3969,20 @@
     </p:spTree>
     <p:extLst>
       <p:ext uri="{BB962C8B-B14F-4D97-AF65-F5344CB8AC3E}">
-        <p14:creationId xmlns:p14="http://schemas.microsoft.com/office/powerpoint/2010/main" val="3449690525"/>
+        <p14:creationId xmlns:p14="http://schemas.microsoft.com/office/powerpoint/2010/main" xmlns="" val="3449690525"/>
       </p:ext>
     </p:extLst>
   </p:cSld>
   <p:clrMapOvr>
     <a:masterClrMapping/>
   </p:clrMapOvr>
-  <mc:AlternateContent xmlns:mc="http://schemas.openxmlformats.org/markup-compatibility/2006" xmlns:p14="http://schemas.microsoft.com/office/powerpoint/2010/main">
-    <mc:Choice Requires="p14">
+  <mc:AlternateContent xmlns:mc="http://schemas.openxmlformats.org/markup-compatibility/2006">
+    <mc:Choice xmlns:p14="http://schemas.microsoft.com/office/powerpoint/2010/main" xmlns="" Requires="p14">
       <p:transition spd="slow" p14:dur="3400">
         <p14:reveal/>
       </p:transition>
     </mc:Choice>
-    <mc:Fallback xmlns="">
+    <mc:Fallback>
       <p:transition spd="slow">
         <p:fade/>
       </p:transition>
@@ -3986,7 +4013,7 @@
           <p:cNvPr id="4" name="Title 3">
             <a:extLst>
               <a:ext uri="{FF2B5EF4-FFF2-40B4-BE49-F238E27FC236}">
-                <a16:creationId xmlns:a16="http://schemas.microsoft.com/office/drawing/2014/main" id="{24BC27B3-4FD7-0047-A18E-1D4B1F18E525}"/>
+                <a16:creationId xmlns:a16="http://schemas.microsoft.com/office/drawing/2014/main" xmlns="" id="{24BC27B3-4FD7-0047-A18E-1D4B1F18E525}"/>
               </a:ext>
             </a:extLst>
           </p:cNvPr>
@@ -4027,7 +4054,7 @@
           <p:cNvPr id="5" name="Content Placeholder 4">
             <a:extLst>
               <a:ext uri="{FF2B5EF4-FFF2-40B4-BE49-F238E27FC236}">
-                <a16:creationId xmlns:a16="http://schemas.microsoft.com/office/drawing/2014/main" id="{7D8C018A-AE4B-8242-92B7-BCCEF03458E2}"/>
+                <a16:creationId xmlns:a16="http://schemas.microsoft.com/office/drawing/2014/main" xmlns="" id="{7D8C018A-AE4B-8242-92B7-BCCEF03458E2}"/>
               </a:ext>
             </a:extLst>
           </p:cNvPr>
@@ -4101,20 +4128,20 @@
     </p:spTree>
     <p:extLst>
       <p:ext uri="{BB962C8B-B14F-4D97-AF65-F5344CB8AC3E}">
-        <p14:creationId xmlns:p14="http://schemas.microsoft.com/office/powerpoint/2010/main" val="2846730363"/>
+        <p14:creationId xmlns:p14="http://schemas.microsoft.com/office/powerpoint/2010/main" xmlns="" val="2846730363"/>
       </p:ext>
     </p:extLst>
   </p:cSld>
   <p:clrMapOvr>
     <a:masterClrMapping/>
   </p:clrMapOvr>
-  <mc:AlternateContent xmlns:mc="http://schemas.openxmlformats.org/markup-compatibility/2006" xmlns:p14="http://schemas.microsoft.com/office/powerpoint/2010/main">
-    <mc:Choice Requires="p14">
+  <mc:AlternateContent xmlns:mc="http://schemas.openxmlformats.org/markup-compatibility/2006">
+    <mc:Choice xmlns:p14="http://schemas.microsoft.com/office/powerpoint/2010/main" xmlns="" Requires="p14">
       <p:transition spd="slow" p14:dur="3400">
         <p14:reveal/>
       </p:transition>
     </mc:Choice>
-    <mc:Fallback xmlns="">
+    <mc:Fallback>
       <p:transition spd="slow">
         <p:fade/>
       </p:transition>
@@ -4145,7 +4172,7 @@
           <p:cNvPr id="2" name="Title 1">
             <a:extLst>
               <a:ext uri="{FF2B5EF4-FFF2-40B4-BE49-F238E27FC236}">
-                <a16:creationId xmlns:a16="http://schemas.microsoft.com/office/drawing/2014/main" id="{78A0466F-63E6-0945-97E3-FC870824C502}"/>
+                <a16:creationId xmlns:a16="http://schemas.microsoft.com/office/drawing/2014/main" xmlns="" id="{78A0466F-63E6-0945-97E3-FC870824C502}"/>
               </a:ext>
             </a:extLst>
           </p:cNvPr>
@@ -4175,7 +4202,7 @@
           <p:cNvPr id="3" name="Content Placeholder 2">
             <a:extLst>
               <a:ext uri="{FF2B5EF4-FFF2-40B4-BE49-F238E27FC236}">
-                <a16:creationId xmlns:a16="http://schemas.microsoft.com/office/drawing/2014/main" id="{A80668B6-218C-BA43-870C-A5B6696853B1}"/>
+                <a16:creationId xmlns:a16="http://schemas.microsoft.com/office/drawing/2014/main" xmlns="" id="{A80668B6-218C-BA43-870C-A5B6696853B1}"/>
               </a:ext>
             </a:extLst>
           </p:cNvPr>
@@ -4257,20 +4284,20 @@
     </p:spTree>
     <p:extLst>
       <p:ext uri="{BB962C8B-B14F-4D97-AF65-F5344CB8AC3E}">
-        <p14:creationId xmlns:p14="http://schemas.microsoft.com/office/powerpoint/2010/main" val="3555143448"/>
+        <p14:creationId xmlns:p14="http://schemas.microsoft.com/office/powerpoint/2010/main" xmlns="" val="3555143448"/>
       </p:ext>
     </p:extLst>
   </p:cSld>
   <p:clrMapOvr>
     <a:masterClrMapping/>
   </p:clrMapOvr>
-  <mc:AlternateContent xmlns:mc="http://schemas.openxmlformats.org/markup-compatibility/2006" xmlns:p14="http://schemas.microsoft.com/office/powerpoint/2010/main">
-    <mc:Choice Requires="p14">
+  <mc:AlternateContent xmlns:mc="http://schemas.openxmlformats.org/markup-compatibility/2006">
+    <mc:Choice xmlns:p14="http://schemas.microsoft.com/office/powerpoint/2010/main" xmlns="" Requires="p14">
       <p:transition spd="slow" p14:dur="3400">
         <p14:reveal/>
       </p:transition>
     </mc:Choice>
-    <mc:Fallback xmlns="">
+    <mc:Fallback>
       <p:transition spd="slow">
         <p:fade/>
       </p:transition>
@@ -4301,7 +4328,7 @@
           <p:cNvPr id="2" name="Title 1">
             <a:extLst>
               <a:ext uri="{FF2B5EF4-FFF2-40B4-BE49-F238E27FC236}">
-                <a16:creationId xmlns:a16="http://schemas.microsoft.com/office/drawing/2014/main" id="{7C9861F4-D5CA-2241-B94C-6566FC9C834B}"/>
+                <a16:creationId xmlns:a16="http://schemas.microsoft.com/office/drawing/2014/main" xmlns="" id="{7C9861F4-D5CA-2241-B94C-6566FC9C834B}"/>
               </a:ext>
             </a:extLst>
           </p:cNvPr>
@@ -4331,7 +4358,7 @@
           <p:cNvPr id="3" name="Content Placeholder 2">
             <a:extLst>
               <a:ext uri="{FF2B5EF4-FFF2-40B4-BE49-F238E27FC236}">
-                <a16:creationId xmlns:a16="http://schemas.microsoft.com/office/drawing/2014/main" id="{FED459A1-FA69-0941-B34B-C005BED5C161}"/>
+                <a16:creationId xmlns:a16="http://schemas.microsoft.com/office/drawing/2014/main" xmlns="" id="{FED459A1-FA69-0941-B34B-C005BED5C161}"/>
               </a:ext>
             </a:extLst>
           </p:cNvPr>
@@ -4371,20 +4398,20 @@
     </p:spTree>
     <p:extLst>
       <p:ext uri="{BB962C8B-B14F-4D97-AF65-F5344CB8AC3E}">
-        <p14:creationId xmlns:p14="http://schemas.microsoft.com/office/powerpoint/2010/main" val="2290886669"/>
+        <p14:creationId xmlns:p14="http://schemas.microsoft.com/office/powerpoint/2010/main" xmlns="" val="2290886669"/>
       </p:ext>
     </p:extLst>
   </p:cSld>
   <p:clrMapOvr>
     <a:masterClrMapping/>
   </p:clrMapOvr>
-  <mc:AlternateContent xmlns:mc="http://schemas.openxmlformats.org/markup-compatibility/2006" xmlns:p14="http://schemas.microsoft.com/office/powerpoint/2010/main">
-    <mc:Choice Requires="p14">
+  <mc:AlternateContent xmlns:mc="http://schemas.openxmlformats.org/markup-compatibility/2006">
+    <mc:Choice xmlns:p14="http://schemas.microsoft.com/office/powerpoint/2010/main" xmlns="" Requires="p14">
       <p:transition spd="slow" p14:dur="3400">
         <p14:reveal/>
       </p:transition>
     </mc:Choice>
-    <mc:Fallback xmlns="">
+    <mc:Fallback>
       <p:transition spd="slow">
         <p:fade/>
       </p:transition>
@@ -4415,7 +4442,7 @@
           <p:cNvPr id="2" name="Title 1">
             <a:extLst>
               <a:ext uri="{FF2B5EF4-FFF2-40B4-BE49-F238E27FC236}">
-                <a16:creationId xmlns:a16="http://schemas.microsoft.com/office/drawing/2014/main" id="{F9B85D0C-F012-2C4B-AA63-36C23360ECC8}"/>
+                <a16:creationId xmlns:a16="http://schemas.microsoft.com/office/drawing/2014/main" xmlns="" id="{F9B85D0C-F012-2C4B-AA63-36C23360ECC8}"/>
               </a:ext>
             </a:extLst>
           </p:cNvPr>
@@ -4451,7 +4478,7 @@
           <p:cNvPr id="3" name="Content Placeholder 2">
             <a:extLst>
               <a:ext uri="{FF2B5EF4-FFF2-40B4-BE49-F238E27FC236}">
-                <a16:creationId xmlns:a16="http://schemas.microsoft.com/office/drawing/2014/main" id="{6EDA43B5-EEB1-B342-A2CF-B382E3CB8EC5}"/>
+                <a16:creationId xmlns:a16="http://schemas.microsoft.com/office/drawing/2014/main" xmlns="" id="{6EDA43B5-EEB1-B342-A2CF-B382E3CB8EC5}"/>
               </a:ext>
             </a:extLst>
           </p:cNvPr>
@@ -4490,7 +4517,7 @@
           <p:cNvPr id="4" name="Content Placeholder 3">
             <a:extLst>
               <a:ext uri="{FF2B5EF4-FFF2-40B4-BE49-F238E27FC236}">
-                <a16:creationId xmlns:a16="http://schemas.microsoft.com/office/drawing/2014/main" id="{4391F262-23CE-BA4F-91C0-3CCECD0B8FF3}"/>
+                <a16:creationId xmlns:a16="http://schemas.microsoft.com/office/drawing/2014/main" xmlns="" id="{4391F262-23CE-BA4F-91C0-3CCECD0B8FF3}"/>
               </a:ext>
             </a:extLst>
           </p:cNvPr>
@@ -4520,20 +4547,20 @@
     </p:spTree>
     <p:extLst>
       <p:ext uri="{BB962C8B-B14F-4D97-AF65-F5344CB8AC3E}">
-        <p14:creationId xmlns:p14="http://schemas.microsoft.com/office/powerpoint/2010/main" val="17673271"/>
+        <p14:creationId xmlns:p14="http://schemas.microsoft.com/office/powerpoint/2010/main" xmlns="" val="17673271"/>
       </p:ext>
     </p:extLst>
   </p:cSld>
   <p:clrMapOvr>
     <a:masterClrMapping/>
   </p:clrMapOvr>
-  <mc:AlternateContent xmlns:mc="http://schemas.openxmlformats.org/markup-compatibility/2006" xmlns:p14="http://schemas.microsoft.com/office/powerpoint/2010/main">
-    <mc:Choice Requires="p14">
+  <mc:AlternateContent xmlns:mc="http://schemas.openxmlformats.org/markup-compatibility/2006">
+    <mc:Choice xmlns:p14="http://schemas.microsoft.com/office/powerpoint/2010/main" xmlns="" Requires="p14">
       <p:transition spd="slow" p14:dur="3400">
         <p14:reveal/>
       </p:transition>
     </mc:Choice>
-    <mc:Fallback xmlns="">
+    <mc:Fallback>
       <p:transition spd="slow">
         <p:fade/>
       </p:transition>
@@ -4564,7 +4591,7 @@
           <p:cNvPr id="2" name="Title 1">
             <a:extLst>
               <a:ext uri="{FF2B5EF4-FFF2-40B4-BE49-F238E27FC236}">
-                <a16:creationId xmlns:a16="http://schemas.microsoft.com/office/drawing/2014/main" id="{77B84080-B7AD-534F-B62D-BB44A0DE2BB8}"/>
+                <a16:creationId xmlns:a16="http://schemas.microsoft.com/office/drawing/2014/main" xmlns="" id="{77B84080-B7AD-534F-B62D-BB44A0DE2BB8}"/>
               </a:ext>
             </a:extLst>
           </p:cNvPr>
@@ -4594,7 +4621,7 @@
           <p:cNvPr id="3" name="Content Placeholder 2">
             <a:extLst>
               <a:ext uri="{FF2B5EF4-FFF2-40B4-BE49-F238E27FC236}">
-                <a16:creationId xmlns:a16="http://schemas.microsoft.com/office/drawing/2014/main" id="{93BEE60D-A183-F249-8674-34F36EB08A5A}"/>
+                <a16:creationId xmlns:a16="http://schemas.microsoft.com/office/drawing/2014/main" xmlns="" id="{93BEE60D-A183-F249-8674-34F36EB08A5A}"/>
               </a:ext>
             </a:extLst>
           </p:cNvPr>
@@ -4633,7 +4660,7 @@
           <p:cNvPr id="4" name="Title 1">
             <a:extLst>
               <a:ext uri="{FF2B5EF4-FFF2-40B4-BE49-F238E27FC236}">
-                <a16:creationId xmlns:a16="http://schemas.microsoft.com/office/drawing/2014/main" id="{ACDAAF0B-2A71-C74B-9BD0-046678C91E45}"/>
+                <a16:creationId xmlns:a16="http://schemas.microsoft.com/office/drawing/2014/main" xmlns="" id="{ACDAAF0B-2A71-C74B-9BD0-046678C91E45}"/>
               </a:ext>
             </a:extLst>
           </p:cNvPr>
@@ -4691,7 +4718,7 @@
           <p:cNvPr id="5" name="Content Placeholder 2">
             <a:extLst>
               <a:ext uri="{FF2B5EF4-FFF2-40B4-BE49-F238E27FC236}">
-                <a16:creationId xmlns:a16="http://schemas.microsoft.com/office/drawing/2014/main" id="{FF036596-29EE-8742-A910-14CF623ECF87}"/>
+                <a16:creationId xmlns:a16="http://schemas.microsoft.com/office/drawing/2014/main" xmlns="" id="{FF036596-29EE-8742-A910-14CF623ECF87}"/>
               </a:ext>
             </a:extLst>
           </p:cNvPr>
@@ -4865,20 +4892,20 @@
     </p:spTree>
     <p:extLst>
       <p:ext uri="{BB962C8B-B14F-4D97-AF65-F5344CB8AC3E}">
-        <p14:creationId xmlns:p14="http://schemas.microsoft.com/office/powerpoint/2010/main" val="3523906658"/>
+        <p14:creationId xmlns:p14="http://schemas.microsoft.com/office/powerpoint/2010/main" xmlns="" val="3523906658"/>
       </p:ext>
     </p:extLst>
   </p:cSld>
   <p:clrMapOvr>
     <a:masterClrMapping/>
   </p:clrMapOvr>
-  <mc:AlternateContent xmlns:mc="http://schemas.openxmlformats.org/markup-compatibility/2006" xmlns:p14="http://schemas.microsoft.com/office/powerpoint/2010/main">
-    <mc:Choice Requires="p14">
+  <mc:AlternateContent xmlns:mc="http://schemas.openxmlformats.org/markup-compatibility/2006">
+    <mc:Choice xmlns:p14="http://schemas.microsoft.com/office/powerpoint/2010/main" xmlns="" Requires="p14">
       <p:transition spd="slow" p14:dur="3400">
         <p14:reveal/>
       </p:transition>
     </mc:Choice>
-    <mc:Fallback xmlns="">
+    <mc:Fallback>
       <p:transition spd="slow">
         <p:fade/>
       </p:transition>
@@ -4909,7 +4936,7 @@
           <p:cNvPr id="5" name="Content Placeholder 4" descr="A close up of a logo&#10;&#10;Description automatically generated">
             <a:extLst>
               <a:ext uri="{FF2B5EF4-FFF2-40B4-BE49-F238E27FC236}">
-                <a16:creationId xmlns:a16="http://schemas.microsoft.com/office/drawing/2014/main" id="{A153CE89-86EE-3F49-BA3E-5A456350AAC2}"/>
+                <a16:creationId xmlns:a16="http://schemas.microsoft.com/office/drawing/2014/main" xmlns="" id="{A153CE89-86EE-3F49-BA3E-5A456350AAC2}"/>
               </a:ext>
             </a:extLst>
           </p:cNvPr>
@@ -4939,20 +4966,20 @@
     </p:spTree>
     <p:extLst>
       <p:ext uri="{BB962C8B-B14F-4D97-AF65-F5344CB8AC3E}">
-        <p14:creationId xmlns:p14="http://schemas.microsoft.com/office/powerpoint/2010/main" val="1050785770"/>
+        <p14:creationId xmlns:p14="http://schemas.microsoft.com/office/powerpoint/2010/main" xmlns="" val="1050785770"/>
       </p:ext>
     </p:extLst>
   </p:cSld>
   <p:clrMapOvr>
     <a:masterClrMapping/>
   </p:clrMapOvr>
-  <mc:AlternateContent xmlns:mc="http://schemas.openxmlformats.org/markup-compatibility/2006" xmlns:p14="http://schemas.microsoft.com/office/powerpoint/2010/main">
-    <mc:Choice Requires="p14">
+  <mc:AlternateContent xmlns:mc="http://schemas.openxmlformats.org/markup-compatibility/2006">
+    <mc:Choice xmlns:p14="http://schemas.microsoft.com/office/powerpoint/2010/main" xmlns="" Requires="p14">
       <p:transition spd="slow" p14:dur="3400">
         <p14:reveal/>
       </p:transition>
     </mc:Choice>
-    <mc:Fallback xmlns="">
+    <mc:Fallback>
       <p:transition spd="slow">
         <p:fade/>
       </p:transition>
@@ -4983,7 +5010,7 @@
           <p:cNvPr id="2" name="Title 1">
             <a:extLst>
               <a:ext uri="{FF2B5EF4-FFF2-40B4-BE49-F238E27FC236}">
-                <a16:creationId xmlns:a16="http://schemas.microsoft.com/office/drawing/2014/main" id="{8E3CC841-C24B-A048-B7C1-3092E7DF0771}"/>
+                <a16:creationId xmlns:a16="http://schemas.microsoft.com/office/drawing/2014/main" xmlns="" id="{8E3CC841-C24B-A048-B7C1-3092E7DF0771}"/>
               </a:ext>
             </a:extLst>
           </p:cNvPr>
@@ -5025,7 +5052,7 @@
           <p:cNvPr id="3" name="Content Placeholder 2">
             <a:extLst>
               <a:ext uri="{FF2B5EF4-FFF2-40B4-BE49-F238E27FC236}">
-                <a16:creationId xmlns:a16="http://schemas.microsoft.com/office/drawing/2014/main" id="{0B9DC808-4AC5-034D-9CEB-940A59D53E43}"/>
+                <a16:creationId xmlns:a16="http://schemas.microsoft.com/office/drawing/2014/main" xmlns="" id="{0B9DC808-4AC5-034D-9CEB-940A59D53E43}"/>
               </a:ext>
             </a:extLst>
           </p:cNvPr>
@@ -5092,20 +5119,20 @@
     </p:spTree>
     <p:extLst>
       <p:ext uri="{BB962C8B-B14F-4D97-AF65-F5344CB8AC3E}">
-        <p14:creationId xmlns:p14="http://schemas.microsoft.com/office/powerpoint/2010/main" val="1470213900"/>
+        <p14:creationId xmlns:p14="http://schemas.microsoft.com/office/powerpoint/2010/main" xmlns="" val="1470213900"/>
       </p:ext>
     </p:extLst>
   </p:cSld>
   <p:clrMapOvr>
     <a:masterClrMapping/>
   </p:clrMapOvr>
-  <mc:AlternateContent xmlns:mc="http://schemas.openxmlformats.org/markup-compatibility/2006" xmlns:p14="http://schemas.microsoft.com/office/powerpoint/2010/main">
-    <mc:Choice Requires="p14">
+  <mc:AlternateContent xmlns:mc="http://schemas.openxmlformats.org/markup-compatibility/2006">
+    <mc:Choice xmlns:p14="http://schemas.microsoft.com/office/powerpoint/2010/main" xmlns="" Requires="p14">
       <p:transition spd="slow" p14:dur="3400">
         <p14:reveal/>
       </p:transition>
     </mc:Choice>
-    <mc:Fallback xmlns="">
+    <mc:Fallback>
       <p:transition spd="slow">
         <p:fade/>
       </p:transition>
@@ -5136,7 +5163,7 @@
           <p:cNvPr id="2" name="Title 1">
             <a:extLst>
               <a:ext uri="{FF2B5EF4-FFF2-40B4-BE49-F238E27FC236}">
-                <a16:creationId xmlns:a16="http://schemas.microsoft.com/office/drawing/2014/main" id="{73EB761E-2105-1F4A-8B9A-21266C17F0BA}"/>
+                <a16:creationId xmlns:a16="http://schemas.microsoft.com/office/drawing/2014/main" xmlns="" id="{73EB761E-2105-1F4A-8B9A-21266C17F0BA}"/>
               </a:ext>
             </a:extLst>
           </p:cNvPr>
@@ -5171,7 +5198,7 @@
           <p:cNvPr id="8" name="Content Placeholder 2">
             <a:extLst>
               <a:ext uri="{FF2B5EF4-FFF2-40B4-BE49-F238E27FC236}">
-                <a16:creationId xmlns:a16="http://schemas.microsoft.com/office/drawing/2014/main" id="{C729A924-C7C4-46B5-B97A-58164317C97B}"/>
+                <a16:creationId xmlns:a16="http://schemas.microsoft.com/office/drawing/2014/main" xmlns="" id="{C729A924-C7C4-46B5-B97A-58164317C97B}"/>
               </a:ext>
             </a:extLst>
           </p:cNvPr>
@@ -5259,20 +5286,20 @@
     </p:spTree>
     <p:extLst>
       <p:ext uri="{BB962C8B-B14F-4D97-AF65-F5344CB8AC3E}">
-        <p14:creationId xmlns:p14="http://schemas.microsoft.com/office/powerpoint/2010/main" val="2914122318"/>
+        <p14:creationId xmlns:p14="http://schemas.microsoft.com/office/powerpoint/2010/main" xmlns="" val="2914122318"/>
       </p:ext>
     </p:extLst>
   </p:cSld>
   <p:clrMapOvr>
     <a:masterClrMapping/>
   </p:clrMapOvr>
-  <mc:AlternateContent xmlns:mc="http://schemas.openxmlformats.org/markup-compatibility/2006" xmlns:p14="http://schemas.microsoft.com/office/powerpoint/2010/main">
-    <mc:Choice Requires="p14">
+  <mc:AlternateContent xmlns:mc="http://schemas.openxmlformats.org/markup-compatibility/2006">
+    <mc:Choice xmlns:p14="http://schemas.microsoft.com/office/powerpoint/2010/main" xmlns="" Requires="p14">
       <p:transition spd="slow" p14:dur="3400">
         <p14:reveal/>
       </p:transition>
     </mc:Choice>
-    <mc:Fallback xmlns="">
+    <mc:Fallback>
       <p:transition spd="slow">
         <p:fade/>
       </p:transition>
@@ -5303,7 +5330,7 @@
           <p:cNvPr id="2" name="Title 1">
             <a:extLst>
               <a:ext uri="{FF2B5EF4-FFF2-40B4-BE49-F238E27FC236}">
-                <a16:creationId xmlns:a16="http://schemas.microsoft.com/office/drawing/2014/main" id="{F1204E86-DFD2-8049-AB70-D4B8EFBA9F10}"/>
+                <a16:creationId xmlns:a16="http://schemas.microsoft.com/office/drawing/2014/main" xmlns="" id="{F1204E86-DFD2-8049-AB70-D4B8EFBA9F10}"/>
               </a:ext>
             </a:extLst>
           </p:cNvPr>
@@ -5339,7 +5366,7 @@
           <p:cNvPr id="3" name="Content Placeholder 2">
             <a:extLst>
               <a:ext uri="{FF2B5EF4-FFF2-40B4-BE49-F238E27FC236}">
-                <a16:creationId xmlns:a16="http://schemas.microsoft.com/office/drawing/2014/main" id="{C5679625-7872-A04D-A9FC-F4405ACEBC44}"/>
+                <a16:creationId xmlns:a16="http://schemas.microsoft.com/office/drawing/2014/main" xmlns="" id="{C5679625-7872-A04D-A9FC-F4405ACEBC44}"/>
               </a:ext>
             </a:extLst>
           </p:cNvPr>
@@ -5418,20 +5445,20 @@
     </p:spTree>
     <p:extLst>
       <p:ext uri="{BB962C8B-B14F-4D97-AF65-F5344CB8AC3E}">
-        <p14:creationId xmlns:p14="http://schemas.microsoft.com/office/powerpoint/2010/main" val="3315885957"/>
+        <p14:creationId xmlns:p14="http://schemas.microsoft.com/office/powerpoint/2010/main" xmlns="" val="3315885957"/>
       </p:ext>
     </p:extLst>
   </p:cSld>
   <p:clrMapOvr>
     <a:masterClrMapping/>
   </p:clrMapOvr>
-  <mc:AlternateContent xmlns:mc="http://schemas.openxmlformats.org/markup-compatibility/2006" xmlns:p14="http://schemas.microsoft.com/office/powerpoint/2010/main">
-    <mc:Choice Requires="p14">
+  <mc:AlternateContent xmlns:mc="http://schemas.openxmlformats.org/markup-compatibility/2006">
+    <mc:Choice xmlns:p14="http://schemas.microsoft.com/office/powerpoint/2010/main" xmlns="" Requires="p14">
       <p:transition spd="slow" p14:dur="3400">
         <p14:reveal/>
       </p:transition>
     </mc:Choice>
-    <mc:Fallback xmlns="">
+    <mc:Fallback>
       <p:transition spd="slow">
         <p:fade/>
       </p:transition>
@@ -5462,7 +5489,7 @@
           <p:cNvPr id="8" name="Title 1">
             <a:extLst>
               <a:ext uri="{FF2B5EF4-FFF2-40B4-BE49-F238E27FC236}">
-                <a16:creationId xmlns:a16="http://schemas.microsoft.com/office/drawing/2014/main" id="{203952C4-FFF9-4091-8555-6A8620FF2C4B}"/>
+                <a16:creationId xmlns:a16="http://schemas.microsoft.com/office/drawing/2014/main" xmlns="" id="{203952C4-FFF9-4091-8555-6A8620FF2C4B}"/>
               </a:ext>
             </a:extLst>
           </p:cNvPr>
@@ -5502,7 +5529,7 @@
           <p:cNvPr id="3" name="Content Placeholder 2">
             <a:extLst>
               <a:ext uri="{FF2B5EF4-FFF2-40B4-BE49-F238E27FC236}">
-                <a16:creationId xmlns:a16="http://schemas.microsoft.com/office/drawing/2014/main" id="{F7EA7342-AACB-CB45-A475-E2421F71688F}"/>
+                <a16:creationId xmlns:a16="http://schemas.microsoft.com/office/drawing/2014/main" xmlns="" id="{F7EA7342-AACB-CB45-A475-E2421F71688F}"/>
               </a:ext>
             </a:extLst>
           </p:cNvPr>
@@ -5555,20 +5582,20 @@
     </p:spTree>
     <p:extLst>
       <p:ext uri="{BB962C8B-B14F-4D97-AF65-F5344CB8AC3E}">
-        <p14:creationId xmlns:p14="http://schemas.microsoft.com/office/powerpoint/2010/main" val="584704958"/>
+        <p14:creationId xmlns:p14="http://schemas.microsoft.com/office/powerpoint/2010/main" xmlns="" val="584704958"/>
       </p:ext>
     </p:extLst>
   </p:cSld>
   <p:clrMapOvr>
     <a:masterClrMapping/>
   </p:clrMapOvr>
-  <mc:AlternateContent xmlns:mc="http://schemas.openxmlformats.org/markup-compatibility/2006" xmlns:p14="http://schemas.microsoft.com/office/powerpoint/2010/main">
-    <mc:Choice Requires="p14">
+  <mc:AlternateContent xmlns:mc="http://schemas.openxmlformats.org/markup-compatibility/2006">
+    <mc:Choice xmlns:p14="http://schemas.microsoft.com/office/powerpoint/2010/main" xmlns="" Requires="p14">
       <p:transition spd="slow" p14:dur="3400">
         <p14:reveal/>
       </p:transition>
     </mc:Choice>
-    <mc:Fallback xmlns="">
+    <mc:Fallback>
       <p:transition spd="slow">
         <p:fade/>
       </p:transition>
@@ -5599,7 +5626,7 @@
           <p:cNvPr id="8" name="Title 1">
             <a:extLst>
               <a:ext uri="{FF2B5EF4-FFF2-40B4-BE49-F238E27FC236}">
-                <a16:creationId xmlns:a16="http://schemas.microsoft.com/office/drawing/2014/main" id="{CF872E72-104F-4E5A-B9D9-375C0D0A9053}"/>
+                <a16:creationId xmlns:a16="http://schemas.microsoft.com/office/drawing/2014/main" xmlns="" id="{CF872E72-104F-4E5A-B9D9-375C0D0A9053}"/>
               </a:ext>
             </a:extLst>
           </p:cNvPr>
@@ -5635,7 +5662,7 @@
           <p:cNvPr id="10" name="Content Placeholder 2">
             <a:extLst>
               <a:ext uri="{FF2B5EF4-FFF2-40B4-BE49-F238E27FC236}">
-                <a16:creationId xmlns:a16="http://schemas.microsoft.com/office/drawing/2014/main" id="{C05E7698-B8C7-439A-832B-BB02079C377C}"/>
+                <a16:creationId xmlns:a16="http://schemas.microsoft.com/office/drawing/2014/main" xmlns="" id="{C05E7698-B8C7-439A-832B-BB02079C377C}"/>
               </a:ext>
             </a:extLst>
           </p:cNvPr>
@@ -5828,20 +5855,20 @@
     </p:spTree>
     <p:extLst>
       <p:ext uri="{BB962C8B-B14F-4D97-AF65-F5344CB8AC3E}">
-        <p14:creationId xmlns:p14="http://schemas.microsoft.com/office/powerpoint/2010/main" val="1937009688"/>
+        <p14:creationId xmlns:p14="http://schemas.microsoft.com/office/powerpoint/2010/main" xmlns="" val="1937009688"/>
       </p:ext>
     </p:extLst>
   </p:cSld>
   <p:clrMapOvr>
     <a:masterClrMapping/>
   </p:clrMapOvr>
-  <mc:AlternateContent xmlns:mc="http://schemas.openxmlformats.org/markup-compatibility/2006" xmlns:p14="http://schemas.microsoft.com/office/powerpoint/2010/main">
-    <mc:Choice Requires="p14">
+  <mc:AlternateContent xmlns:mc="http://schemas.openxmlformats.org/markup-compatibility/2006">
+    <mc:Choice xmlns:p14="http://schemas.microsoft.com/office/powerpoint/2010/main" xmlns="" Requires="p14">
       <p:transition spd="slow" p14:dur="3400">
         <p14:reveal/>
       </p:transition>
     </mc:Choice>
-    <mc:Fallback xmlns="">
+    <mc:Fallback>
       <p:transition spd="slow">
         <p:fade/>
       </p:transition>
@@ -5872,7 +5899,7 @@
           <p:cNvPr id="2" name="Title 1">
             <a:extLst>
               <a:ext uri="{FF2B5EF4-FFF2-40B4-BE49-F238E27FC236}">
-                <a16:creationId xmlns:a16="http://schemas.microsoft.com/office/drawing/2014/main" id="{88B48853-50F9-AC4A-89EE-52EF49E24A24}"/>
+                <a16:creationId xmlns:a16="http://schemas.microsoft.com/office/drawing/2014/main" xmlns="" id="{88B48853-50F9-AC4A-89EE-52EF49E24A24}"/>
               </a:ext>
             </a:extLst>
           </p:cNvPr>
@@ -5912,7 +5939,7 @@
           <p:cNvPr id="3" name="Content Placeholder 2">
             <a:extLst>
               <a:ext uri="{FF2B5EF4-FFF2-40B4-BE49-F238E27FC236}">
-                <a16:creationId xmlns:a16="http://schemas.microsoft.com/office/drawing/2014/main" id="{4153B6C4-6F9B-A148-AB66-A390C04E841B}"/>
+                <a16:creationId xmlns:a16="http://schemas.microsoft.com/office/drawing/2014/main" xmlns="" id="{4153B6C4-6F9B-A148-AB66-A390C04E841B}"/>
               </a:ext>
             </a:extLst>
           </p:cNvPr>
@@ -6004,20 +6031,20 @@
     </p:spTree>
     <p:extLst>
       <p:ext uri="{BB962C8B-B14F-4D97-AF65-F5344CB8AC3E}">
-        <p14:creationId xmlns:p14="http://schemas.microsoft.com/office/powerpoint/2010/main" val="3771562605"/>
+        <p14:creationId xmlns:p14="http://schemas.microsoft.com/office/powerpoint/2010/main" xmlns="" val="3771562605"/>
       </p:ext>
     </p:extLst>
   </p:cSld>
   <p:clrMapOvr>
     <a:masterClrMapping/>
   </p:clrMapOvr>
-  <mc:AlternateContent xmlns:mc="http://schemas.openxmlformats.org/markup-compatibility/2006" xmlns:p14="http://schemas.microsoft.com/office/powerpoint/2010/main">
-    <mc:Choice Requires="p14">
+  <mc:AlternateContent xmlns:mc="http://schemas.openxmlformats.org/markup-compatibility/2006">
+    <mc:Choice xmlns:p14="http://schemas.microsoft.com/office/powerpoint/2010/main" xmlns="" Requires="p14">
       <p:transition spd="slow" p14:dur="3400">
         <p14:reveal/>
       </p:transition>
     </mc:Choice>
-    <mc:Fallback xmlns="">
+    <mc:Fallback>
       <p:transition spd="slow">
         <p:fade/>
       </p:transition>
@@ -6048,7 +6075,7 @@
           <p:cNvPr id="4" name="Title 3">
             <a:extLst>
               <a:ext uri="{FF2B5EF4-FFF2-40B4-BE49-F238E27FC236}">
-                <a16:creationId xmlns:a16="http://schemas.microsoft.com/office/drawing/2014/main" id="{24BC27B3-4FD7-0047-A18E-1D4B1F18E525}"/>
+                <a16:creationId xmlns:a16="http://schemas.microsoft.com/office/drawing/2014/main" xmlns="" id="{24BC27B3-4FD7-0047-A18E-1D4B1F18E525}"/>
               </a:ext>
             </a:extLst>
           </p:cNvPr>
@@ -6089,7 +6116,7 @@
           <p:cNvPr id="5" name="Content Placeholder 4">
             <a:extLst>
               <a:ext uri="{FF2B5EF4-FFF2-40B4-BE49-F238E27FC236}">
-                <a16:creationId xmlns:a16="http://schemas.microsoft.com/office/drawing/2014/main" id="{7D8C018A-AE4B-8242-92B7-BCCEF03458E2}"/>
+                <a16:creationId xmlns:a16="http://schemas.microsoft.com/office/drawing/2014/main" xmlns="" id="{7D8C018A-AE4B-8242-92B7-BCCEF03458E2}"/>
               </a:ext>
             </a:extLst>
           </p:cNvPr>
@@ -6166,20 +6193,20 @@
     </p:spTree>
     <p:extLst>
       <p:ext uri="{BB962C8B-B14F-4D97-AF65-F5344CB8AC3E}">
-        <p14:creationId xmlns:p14="http://schemas.microsoft.com/office/powerpoint/2010/main" val="2493364337"/>
+        <p14:creationId xmlns:p14="http://schemas.microsoft.com/office/powerpoint/2010/main" xmlns="" val="2493364337"/>
       </p:ext>
     </p:extLst>
   </p:cSld>
   <p:clrMapOvr>
     <a:masterClrMapping/>
   </p:clrMapOvr>
-  <mc:AlternateContent xmlns:mc="http://schemas.openxmlformats.org/markup-compatibility/2006" xmlns:p14="http://schemas.microsoft.com/office/powerpoint/2010/main">
-    <mc:Choice Requires="p14">
+  <mc:AlternateContent xmlns:mc="http://schemas.openxmlformats.org/markup-compatibility/2006">
+    <mc:Choice xmlns:p14="http://schemas.microsoft.com/office/powerpoint/2010/main" xmlns="" Requires="p14">
       <p:transition spd="slow" p14:dur="3400">
         <p14:reveal/>
       </p:transition>
     </mc:Choice>
-    <mc:Fallback xmlns="">
+    <mc:Fallback>
       <p:transition spd="slow">
         <p:fade/>
       </p:transition>
@@ -6210,7 +6237,7 @@
           <p:cNvPr id="4" name="Title 3">
             <a:extLst>
               <a:ext uri="{FF2B5EF4-FFF2-40B4-BE49-F238E27FC236}">
-                <a16:creationId xmlns:a16="http://schemas.microsoft.com/office/drawing/2014/main" id="{24BC27B3-4FD7-0047-A18E-1D4B1F18E525}"/>
+                <a16:creationId xmlns:a16="http://schemas.microsoft.com/office/drawing/2014/main" xmlns="" id="{24BC27B3-4FD7-0047-A18E-1D4B1F18E525}"/>
               </a:ext>
             </a:extLst>
           </p:cNvPr>
@@ -6251,7 +6278,7 @@
           <p:cNvPr id="5" name="Content Placeholder 4">
             <a:extLst>
               <a:ext uri="{FF2B5EF4-FFF2-40B4-BE49-F238E27FC236}">
-                <a16:creationId xmlns:a16="http://schemas.microsoft.com/office/drawing/2014/main" id="{7D8C018A-AE4B-8242-92B7-BCCEF03458E2}"/>
+                <a16:creationId xmlns:a16="http://schemas.microsoft.com/office/drawing/2014/main" xmlns="" id="{7D8C018A-AE4B-8242-92B7-BCCEF03458E2}"/>
               </a:ext>
             </a:extLst>
           </p:cNvPr>
@@ -6405,20 +6432,20 @@
     </p:spTree>
     <p:extLst>
       <p:ext uri="{BB962C8B-B14F-4D97-AF65-F5344CB8AC3E}">
-        <p14:creationId xmlns:p14="http://schemas.microsoft.com/office/powerpoint/2010/main" val="1916712771"/>
+        <p14:creationId xmlns:p14="http://schemas.microsoft.com/office/powerpoint/2010/main" xmlns="" val="1916712771"/>
       </p:ext>
     </p:extLst>
   </p:cSld>
   <p:clrMapOvr>
     <a:masterClrMapping/>
   </p:clrMapOvr>
-  <mc:AlternateContent xmlns:mc="http://schemas.openxmlformats.org/markup-compatibility/2006" xmlns:p14="http://schemas.microsoft.com/office/powerpoint/2010/main">
-    <mc:Choice Requires="p14">
+  <mc:AlternateContent xmlns:mc="http://schemas.openxmlformats.org/markup-compatibility/2006">
+    <mc:Choice xmlns:p14="http://schemas.microsoft.com/office/powerpoint/2010/main" xmlns="" Requires="p14">
       <p:transition spd="slow" p14:dur="3400">
         <p14:reveal/>
       </p:transition>
     </mc:Choice>
-    <mc:Fallback xmlns="">
+    <mc:Fallback>
       <p:transition spd="slow">
         <p:fade/>
       </p:transition>
@@ -6711,7 +6738,7 @@
   <a:extraClrSchemeLst/>
   <a:extLst>
     <a:ext uri="{05A4C25C-085E-4340-85A3-A5531E510DB2}">
-      <thm15:themeFamily xmlns:thm15="http://schemas.microsoft.com/office/thememl/2012/main" name="Theme2" id="{E3354C01-5E80-0948-A18B-FB9F34E46EF5}" vid="{87CE95E1-BF93-3841-93AF-CBAF4F92459F}"/>
+      <thm15:themeFamily xmlns:thm15="http://schemas.microsoft.com/office/thememl/2012/main" xmlns="" name="Theme2" id="{E3354C01-5E80-0948-A18B-FB9F34E46EF5}" vid="{87CE95E1-BF93-3841-93AF-CBAF4F92459F}"/>
     </a:ext>
   </a:extLst>
 </a:theme>
